--- a/beamline/manual/main_scaler_gui.pptx
+++ b/beamline/manual/main_scaler_gui.pptx
@@ -104,6 +104,22 @@
       </a:defRPr>
     </a:lvl9pPr>
   </p:defaultTextStyle>
+  <p:extLst>
+    <p:ext uri="{EFAFB233-063F-42B5-8137-9DF3F51BA10A}">
+      <p15:sldGuideLst xmlns:p15="http://schemas.microsoft.com/office/powerpoint/2012/main">
+        <p15:guide id="1" orient="horz" pos="2160">
+          <p15:clr>
+            <a:srgbClr val="A4A3A4"/>
+          </p15:clr>
+        </p15:guide>
+        <p15:guide id="2" pos="2880">
+          <p15:clr>
+            <a:srgbClr val="A4A3A4"/>
+          </p15:clr>
+        </p15:guide>
+      </p15:sldGuideLst>
+    </p:ext>
+  </p:extLst>
 </p:presentation>
 </file>
 
@@ -288,7 +304,7 @@
           <a:p>
             <a:fld id="{F5C544B3-E7A6-0045-814C-F4D76386A14D}" type="datetimeFigureOut">
               <a:rPr lang="en-US" smtClean="0"/>
-              <a:t>10/20/16</a:t>
+              <a:t>8/21/17</a:t>
             </a:fld>
             <a:endParaRPr lang="en-US"/>
           </a:p>
@@ -458,7 +474,7 @@
           <a:p>
             <a:fld id="{F5C544B3-E7A6-0045-814C-F4D76386A14D}" type="datetimeFigureOut">
               <a:rPr lang="en-US" smtClean="0"/>
-              <a:t>10/20/16</a:t>
+              <a:t>8/21/17</a:t>
             </a:fld>
             <a:endParaRPr lang="en-US"/>
           </a:p>
@@ -638,7 +654,7 @@
           <a:p>
             <a:fld id="{F5C544B3-E7A6-0045-814C-F4D76386A14D}" type="datetimeFigureOut">
               <a:rPr lang="en-US" smtClean="0"/>
-              <a:t>10/20/16</a:t>
+              <a:t>8/21/17</a:t>
             </a:fld>
             <a:endParaRPr lang="en-US"/>
           </a:p>
@@ -808,7 +824,7 @@
           <a:p>
             <a:fld id="{F5C544B3-E7A6-0045-814C-F4D76386A14D}" type="datetimeFigureOut">
               <a:rPr lang="en-US" smtClean="0"/>
-              <a:t>10/20/16</a:t>
+              <a:t>8/21/17</a:t>
             </a:fld>
             <a:endParaRPr lang="en-US"/>
           </a:p>
@@ -1054,7 +1070,7 @@
           <a:p>
             <a:fld id="{F5C544B3-E7A6-0045-814C-F4D76386A14D}" type="datetimeFigureOut">
               <a:rPr lang="en-US" smtClean="0"/>
-              <a:t>10/20/16</a:t>
+              <a:t>8/21/17</a:t>
             </a:fld>
             <a:endParaRPr lang="en-US"/>
           </a:p>
@@ -1342,7 +1358,7 @@
           <a:p>
             <a:fld id="{F5C544B3-E7A6-0045-814C-F4D76386A14D}" type="datetimeFigureOut">
               <a:rPr lang="en-US" smtClean="0"/>
-              <a:t>10/20/16</a:t>
+              <a:t>8/21/17</a:t>
             </a:fld>
             <a:endParaRPr lang="en-US"/>
           </a:p>
@@ -1764,7 +1780,7 @@
           <a:p>
             <a:fld id="{F5C544B3-E7A6-0045-814C-F4D76386A14D}" type="datetimeFigureOut">
               <a:rPr lang="en-US" smtClean="0"/>
-              <a:t>10/20/16</a:t>
+              <a:t>8/21/17</a:t>
             </a:fld>
             <a:endParaRPr lang="en-US"/>
           </a:p>
@@ -1882,7 +1898,7 @@
           <a:p>
             <a:fld id="{F5C544B3-E7A6-0045-814C-F4D76386A14D}" type="datetimeFigureOut">
               <a:rPr lang="en-US" smtClean="0"/>
-              <a:t>10/20/16</a:t>
+              <a:t>8/21/17</a:t>
             </a:fld>
             <a:endParaRPr lang="en-US"/>
           </a:p>
@@ -1977,7 +1993,7 @@
           <a:p>
             <a:fld id="{F5C544B3-E7A6-0045-814C-F4D76386A14D}" type="datetimeFigureOut">
               <a:rPr lang="en-US" smtClean="0"/>
-              <a:t>10/20/16</a:t>
+              <a:t>8/21/17</a:t>
             </a:fld>
             <a:endParaRPr lang="en-US"/>
           </a:p>
@@ -2254,7 +2270,7 @@
           <a:p>
             <a:fld id="{F5C544B3-E7A6-0045-814C-F4D76386A14D}" type="datetimeFigureOut">
               <a:rPr lang="en-US" smtClean="0"/>
-              <a:t>10/20/16</a:t>
+              <a:t>8/21/17</a:t>
             </a:fld>
             <a:endParaRPr lang="en-US"/>
           </a:p>
@@ -2507,7 +2523,7 @@
           <a:p>
             <a:fld id="{F5C544B3-E7A6-0045-814C-F4D76386A14D}" type="datetimeFigureOut">
               <a:rPr lang="en-US" smtClean="0"/>
-              <a:t>10/20/16</a:t>
+              <a:t>8/21/17</a:t>
             </a:fld>
             <a:endParaRPr lang="en-US"/>
           </a:p>
@@ -2720,7 +2736,7 @@
           <a:p>
             <a:fld id="{F5C544B3-E7A6-0045-814C-F4D76386A14D}" type="datetimeFigureOut">
               <a:rPr lang="en-US" smtClean="0"/>
-              <a:t>10/20/16</a:t>
+              <a:t>8/21/17</a:t>
             </a:fld>
             <a:endParaRPr lang="en-US"/>
           </a:p>
@@ -3095,1183 +3111,16 @@
           <a:chExt cx="0" cy="0"/>
         </a:xfrm>
       </p:grpSpPr>
-      <p:grpSp>
-        <p:nvGrpSpPr>
-          <p:cNvPr id="43" name="Group 42"/>
-          <p:cNvGrpSpPr>
-            <a:grpSpLocks noChangeAspect="1"/>
-          </p:cNvGrpSpPr>
-          <p:nvPr/>
-        </p:nvGrpSpPr>
-        <p:grpSpPr>
-          <a:xfrm>
-            <a:off x="1" y="323877"/>
-            <a:ext cx="9149001" cy="6035040"/>
-            <a:chOff x="0" y="774700"/>
-            <a:chExt cx="8023412" cy="5292552"/>
-          </a:xfrm>
-        </p:grpSpPr>
-        <p:pic>
-          <p:nvPicPr>
-            <p:cNvPr id="4" name="Picture 3" descr="scaler_clas12.pdf"/>
-            <p:cNvPicPr>
-              <a:picLocks noChangeAspect="1"/>
-            </p:cNvPicPr>
-            <p:nvPr/>
-          </p:nvPicPr>
-          <p:blipFill rotWithShape="1">
-            <a:blip r:embed="rId2">
-              <a:extLst>
-                <a:ext uri="{28A0092B-C50C-407E-A947-70E740481C1C}">
-                  <a14:useLocalDpi xmlns:a14="http://schemas.microsoft.com/office/drawing/2010/main" val="0"/>
-                </a:ext>
-              </a:extLst>
-            </a:blip>
-            <a:srcRect r="12255"/>
-            <a:stretch/>
-          </p:blipFill>
-          <p:spPr>
-            <a:xfrm>
-              <a:off x="0" y="774700"/>
-              <a:ext cx="8023412" cy="5292552"/>
-            </a:xfrm>
-            <a:prstGeom prst="rect">
-              <a:avLst/>
-            </a:prstGeom>
-            <a:solidFill>
-              <a:schemeClr val="tx1">
-                <a:lumMod val="85000"/>
-                <a:lumOff val="15000"/>
-              </a:schemeClr>
-            </a:solidFill>
-          </p:spPr>
-        </p:pic>
-        <p:sp>
-          <p:nvSpPr>
-            <p:cNvPr id="5" name="Rectangle 4"/>
-            <p:cNvSpPr/>
-            <p:nvPr/>
-          </p:nvSpPr>
-          <p:spPr>
-            <a:xfrm>
-              <a:off x="2861752" y="1311194"/>
-              <a:ext cx="1360776" cy="651474"/>
-            </a:xfrm>
-            <a:prstGeom prst="rect">
-              <a:avLst/>
-            </a:prstGeom>
-            <a:solidFill>
-              <a:schemeClr val="tx1">
-                <a:lumMod val="85000"/>
-                <a:lumOff val="15000"/>
-              </a:schemeClr>
-            </a:solidFill>
-            <a:ln>
-              <a:noFill/>
-            </a:ln>
-            <a:effectLst/>
-          </p:spPr>
-          <p:style>
-            <a:lnRef idx="1">
-              <a:schemeClr val="accent1"/>
-            </a:lnRef>
-            <a:fillRef idx="3">
-              <a:schemeClr val="accent1"/>
-            </a:fillRef>
-            <a:effectRef idx="2">
-              <a:schemeClr val="accent1"/>
-            </a:effectRef>
-            <a:fontRef idx="minor">
-              <a:schemeClr val="lt1"/>
-            </a:fontRef>
-          </p:style>
-          <p:txBody>
-            <a:bodyPr rtlCol="0" anchor="ctr"/>
-            <a:lstStyle/>
-            <a:p>
-              <a:pPr algn="ctr"/>
-              <a:endParaRPr lang="en-US"/>
-            </a:p>
-          </p:txBody>
-        </p:sp>
-        <p:sp>
-          <p:nvSpPr>
-            <p:cNvPr id="6" name="Rectangle 5"/>
-            <p:cNvSpPr/>
-            <p:nvPr/>
-          </p:nvSpPr>
-          <p:spPr>
-            <a:xfrm>
-              <a:off x="5797728" y="3871573"/>
-              <a:ext cx="1830863" cy="779455"/>
-            </a:xfrm>
-            <a:prstGeom prst="rect">
-              <a:avLst/>
-            </a:prstGeom>
-            <a:solidFill>
-              <a:schemeClr val="tx1">
-                <a:lumMod val="85000"/>
-                <a:lumOff val="15000"/>
-              </a:schemeClr>
-            </a:solidFill>
-            <a:ln>
-              <a:noFill/>
-            </a:ln>
-            <a:effectLst/>
-          </p:spPr>
-          <p:style>
-            <a:lnRef idx="1">
-              <a:schemeClr val="accent1"/>
-            </a:lnRef>
-            <a:fillRef idx="3">
-              <a:schemeClr val="accent1"/>
-            </a:fillRef>
-            <a:effectRef idx="2">
-              <a:schemeClr val="accent1"/>
-            </a:effectRef>
-            <a:fontRef idx="minor">
-              <a:schemeClr val="lt1"/>
-            </a:fontRef>
-          </p:style>
-          <p:txBody>
-            <a:bodyPr rtlCol="0" anchor="ctr"/>
-            <a:lstStyle/>
-            <a:p>
-              <a:pPr algn="ctr"/>
-              <a:endParaRPr lang="en-US"/>
-            </a:p>
-          </p:txBody>
-        </p:sp>
-        <p:sp>
-          <p:nvSpPr>
-            <p:cNvPr id="7" name="Rectangle 6"/>
-            <p:cNvSpPr/>
-            <p:nvPr/>
-          </p:nvSpPr>
-          <p:spPr>
-            <a:xfrm>
-              <a:off x="5950129" y="4989136"/>
-              <a:ext cx="1323836" cy="593747"/>
-            </a:xfrm>
-            <a:prstGeom prst="rect">
-              <a:avLst/>
-            </a:prstGeom>
-            <a:solidFill>
-              <a:schemeClr val="tx1">
-                <a:lumMod val="85000"/>
-                <a:lumOff val="15000"/>
-              </a:schemeClr>
-            </a:solidFill>
-            <a:ln>
-              <a:noFill/>
-            </a:ln>
-            <a:effectLst/>
-          </p:spPr>
-          <p:style>
-            <a:lnRef idx="1">
-              <a:schemeClr val="accent1"/>
-            </a:lnRef>
-            <a:fillRef idx="3">
-              <a:schemeClr val="accent1"/>
-            </a:fillRef>
-            <a:effectRef idx="2">
-              <a:schemeClr val="accent1"/>
-            </a:effectRef>
-            <a:fontRef idx="minor">
-              <a:schemeClr val="lt1"/>
-            </a:fontRef>
-          </p:style>
-          <p:txBody>
-            <a:bodyPr rtlCol="0" anchor="ctr"/>
-            <a:lstStyle/>
-            <a:p>
-              <a:pPr algn="ctr"/>
-              <a:endParaRPr lang="en-US"/>
-            </a:p>
-          </p:txBody>
-        </p:sp>
-        <p:sp>
-          <p:nvSpPr>
-            <p:cNvPr id="8" name="Rectangle 7"/>
-            <p:cNvSpPr/>
-            <p:nvPr/>
-          </p:nvSpPr>
-          <p:spPr>
-            <a:xfrm>
-              <a:off x="4771028" y="4148227"/>
-              <a:ext cx="1162843" cy="243115"/>
-            </a:xfrm>
-            <a:prstGeom prst="rect">
-              <a:avLst/>
-            </a:prstGeom>
-            <a:solidFill>
-              <a:schemeClr val="tx1">
-                <a:lumMod val="85000"/>
-                <a:lumOff val="15000"/>
-              </a:schemeClr>
-            </a:solidFill>
-            <a:ln>
-              <a:noFill/>
-            </a:ln>
-            <a:effectLst/>
-          </p:spPr>
-          <p:style>
-            <a:lnRef idx="1">
-              <a:schemeClr val="accent1"/>
-            </a:lnRef>
-            <a:fillRef idx="3">
-              <a:schemeClr val="accent1"/>
-            </a:fillRef>
-            <a:effectRef idx="2">
-              <a:schemeClr val="accent1"/>
-            </a:effectRef>
-            <a:fontRef idx="minor">
-              <a:schemeClr val="lt1"/>
-            </a:fontRef>
-          </p:style>
-          <p:txBody>
-            <a:bodyPr rtlCol="0" anchor="ctr"/>
-            <a:lstStyle/>
-            <a:p>
-              <a:pPr algn="ctr"/>
-              <a:endParaRPr lang="en-US"/>
-            </a:p>
-          </p:txBody>
-        </p:sp>
-        <p:sp>
-          <p:nvSpPr>
-            <p:cNvPr id="9" name="Rectangle 8"/>
-            <p:cNvSpPr/>
-            <p:nvPr/>
-          </p:nvSpPr>
-          <p:spPr>
-            <a:xfrm>
-              <a:off x="5323348" y="840822"/>
-              <a:ext cx="2074323" cy="610563"/>
-            </a:xfrm>
-            <a:prstGeom prst="rect">
-              <a:avLst/>
-            </a:prstGeom>
-            <a:solidFill>
-              <a:schemeClr val="tx1">
-                <a:lumMod val="85000"/>
-                <a:lumOff val="15000"/>
-              </a:schemeClr>
-            </a:solidFill>
-            <a:ln>
-              <a:noFill/>
-            </a:ln>
-            <a:effectLst/>
-          </p:spPr>
-          <p:style>
-            <a:lnRef idx="1">
-              <a:schemeClr val="accent1"/>
-            </a:lnRef>
-            <a:fillRef idx="3">
-              <a:schemeClr val="accent1"/>
-            </a:fillRef>
-            <a:effectRef idx="2">
-              <a:schemeClr val="accent1"/>
-            </a:effectRef>
-            <a:fontRef idx="minor">
-              <a:schemeClr val="lt1"/>
-            </a:fontRef>
-          </p:style>
-          <p:txBody>
-            <a:bodyPr rtlCol="0" anchor="ctr"/>
-            <a:lstStyle/>
-            <a:p>
-              <a:pPr algn="ctr"/>
-              <a:endParaRPr lang="en-US"/>
-            </a:p>
-          </p:txBody>
-        </p:sp>
-        <p:sp>
-          <p:nvSpPr>
-            <p:cNvPr id="10" name="Rectangle 9"/>
-            <p:cNvSpPr/>
-            <p:nvPr/>
-          </p:nvSpPr>
-          <p:spPr>
-            <a:xfrm>
-              <a:off x="4824568" y="1797739"/>
-              <a:ext cx="1676312" cy="362846"/>
-            </a:xfrm>
-            <a:prstGeom prst="rect">
-              <a:avLst/>
-            </a:prstGeom>
-            <a:solidFill>
-              <a:schemeClr val="tx1">
-                <a:lumMod val="85000"/>
-                <a:lumOff val="15000"/>
-              </a:schemeClr>
-            </a:solidFill>
-            <a:ln>
-              <a:noFill/>
-            </a:ln>
-            <a:effectLst/>
-          </p:spPr>
-          <p:style>
-            <a:lnRef idx="1">
-              <a:schemeClr val="accent1"/>
-            </a:lnRef>
-            <a:fillRef idx="3">
-              <a:schemeClr val="accent1"/>
-            </a:fillRef>
-            <a:effectRef idx="2">
-              <a:schemeClr val="accent1"/>
-            </a:effectRef>
-            <a:fontRef idx="minor">
-              <a:schemeClr val="lt1"/>
-            </a:fontRef>
-          </p:style>
-          <p:txBody>
-            <a:bodyPr rtlCol="0" anchor="ctr"/>
-            <a:lstStyle/>
-            <a:p>
-              <a:pPr algn="ctr"/>
-              <a:endParaRPr lang="en-US"/>
-            </a:p>
-          </p:txBody>
-        </p:sp>
-        <p:sp>
-          <p:nvSpPr>
-            <p:cNvPr id="11" name="Rectangle 10"/>
-            <p:cNvSpPr/>
-            <p:nvPr/>
-          </p:nvSpPr>
-          <p:spPr>
-            <a:xfrm>
-              <a:off x="4779040" y="2197549"/>
-              <a:ext cx="1676312" cy="474318"/>
-            </a:xfrm>
-            <a:prstGeom prst="rect">
-              <a:avLst/>
-            </a:prstGeom>
-            <a:solidFill>
-              <a:schemeClr val="tx1">
-                <a:lumMod val="85000"/>
-                <a:lumOff val="15000"/>
-              </a:schemeClr>
-            </a:solidFill>
-            <a:ln>
-              <a:noFill/>
-            </a:ln>
-            <a:effectLst/>
-          </p:spPr>
-          <p:style>
-            <a:lnRef idx="1">
-              <a:schemeClr val="accent1"/>
-            </a:lnRef>
-            <a:fillRef idx="3">
-              <a:schemeClr val="accent1"/>
-            </a:fillRef>
-            <a:effectRef idx="2">
-              <a:schemeClr val="accent1"/>
-            </a:effectRef>
-            <a:fontRef idx="minor">
-              <a:schemeClr val="lt1"/>
-            </a:fontRef>
-          </p:style>
-          <p:txBody>
-            <a:bodyPr rtlCol="0" anchor="ctr"/>
-            <a:lstStyle/>
-            <a:p>
-              <a:pPr algn="ctr"/>
-              <a:endParaRPr lang="en-US"/>
-            </a:p>
-          </p:txBody>
-        </p:sp>
-        <p:sp>
-          <p:nvSpPr>
-            <p:cNvPr id="12" name="TextBox 11"/>
-            <p:cNvSpPr txBox="1"/>
-            <p:nvPr/>
-          </p:nvSpPr>
-          <p:spPr>
-            <a:xfrm>
-              <a:off x="2160747" y="818475"/>
-              <a:ext cx="415498" cy="123111"/>
-            </a:xfrm>
-            <a:prstGeom prst="rect">
-              <a:avLst/>
-            </a:prstGeom>
-            <a:solidFill>
-              <a:srgbClr val="262626"/>
-            </a:solidFill>
-          </p:spPr>
-          <p:txBody>
-            <a:bodyPr wrap="none" lIns="91440" tIns="0" rIns="91440" bIns="0" rtlCol="0">
-              <a:spAutoFit/>
-            </a:bodyPr>
-            <a:lstStyle/>
-            <a:p>
-              <a:r>
-                <a:rPr lang="en-US" sz="800" dirty="0" smtClean="0">
-                  <a:solidFill>
-                    <a:srgbClr val="FFFFFF"/>
-                  </a:solidFill>
-                </a:rPr>
-                <a:t>Tag-L</a:t>
-              </a:r>
-              <a:endParaRPr lang="en-US" sz="800" dirty="0">
-                <a:solidFill>
-                  <a:srgbClr val="FFFFFF"/>
-                </a:solidFill>
-              </a:endParaRPr>
-            </a:p>
-          </p:txBody>
-        </p:sp>
-        <p:sp>
-          <p:nvSpPr>
-            <p:cNvPr id="13" name="TextBox 12"/>
-            <p:cNvSpPr txBox="1"/>
-            <p:nvPr/>
-          </p:nvSpPr>
-          <p:spPr>
-            <a:xfrm>
-              <a:off x="2164701" y="1234779"/>
-              <a:ext cx="419205" cy="123111"/>
-            </a:xfrm>
-            <a:prstGeom prst="rect">
-              <a:avLst/>
-            </a:prstGeom>
-            <a:solidFill>
-              <a:srgbClr val="262626"/>
-            </a:solidFill>
-          </p:spPr>
-          <p:txBody>
-            <a:bodyPr wrap="none" lIns="91440" tIns="0" rIns="91440" bIns="0" rtlCol="0">
-              <a:spAutoFit/>
-            </a:bodyPr>
-            <a:lstStyle/>
-            <a:p>
-              <a:r>
-                <a:rPr lang="en-US" sz="800" dirty="0" smtClean="0">
-                  <a:solidFill>
-                    <a:srgbClr val="FFFFFF"/>
-                  </a:solidFill>
-                </a:rPr>
-                <a:t>Tag-R</a:t>
-              </a:r>
-              <a:endParaRPr lang="en-US" sz="800" dirty="0">
-                <a:solidFill>
-                  <a:srgbClr val="FFFFFF"/>
-                </a:solidFill>
-              </a:endParaRPr>
-            </a:p>
-          </p:txBody>
-        </p:sp>
-        <p:pic>
-          <p:nvPicPr>
-            <p:cNvPr id="14" name="Picture 13" descr="halo4.tiff"/>
-            <p:cNvPicPr>
-              <a:picLocks noChangeAspect="1"/>
-            </p:cNvPicPr>
-            <p:nvPr/>
-          </p:nvPicPr>
-          <p:blipFill>
-            <a:blip r:embed="rId3">
-              <a:extLst>
-                <a:ext uri="{28A0092B-C50C-407E-A947-70E740481C1C}">
-                  <a14:useLocalDpi xmlns:a14="http://schemas.microsoft.com/office/drawing/2010/main" val="0"/>
-                </a:ext>
-              </a:extLst>
-            </a:blip>
-            <a:stretch>
-              <a:fillRect/>
-            </a:stretch>
-          </p:blipFill>
-          <p:spPr>
-            <a:xfrm>
-              <a:off x="2898817" y="845900"/>
-              <a:ext cx="1628859" cy="493765"/>
-            </a:xfrm>
-            <a:prstGeom prst="rect">
-              <a:avLst/>
-            </a:prstGeom>
-          </p:spPr>
-        </p:pic>
-        <p:pic>
-          <p:nvPicPr>
-            <p:cNvPr id="15" name="Picture 14" descr="halo4.tiff"/>
-            <p:cNvPicPr>
-              <a:picLocks noChangeAspect="1"/>
-            </p:cNvPicPr>
-            <p:nvPr/>
-          </p:nvPicPr>
-          <p:blipFill>
-            <a:blip r:embed="rId3">
-              <a:extLst>
-                <a:ext uri="{28A0092B-C50C-407E-A947-70E740481C1C}">
-                  <a14:useLocalDpi xmlns:a14="http://schemas.microsoft.com/office/drawing/2010/main" val="0"/>
-                </a:ext>
-              </a:extLst>
-            </a:blip>
-            <a:stretch>
-              <a:fillRect/>
-            </a:stretch>
-          </p:blipFill>
-          <p:spPr>
-            <a:xfrm>
-              <a:off x="6027777" y="844108"/>
-              <a:ext cx="1628859" cy="493765"/>
-            </a:xfrm>
-            <a:prstGeom prst="rect">
-              <a:avLst/>
-            </a:prstGeom>
-          </p:spPr>
-        </p:pic>
-        <p:sp>
-          <p:nvSpPr>
-            <p:cNvPr id="16" name="TextBox 15"/>
-            <p:cNvSpPr txBox="1"/>
-            <p:nvPr/>
-          </p:nvSpPr>
-          <p:spPr>
-            <a:xfrm>
-              <a:off x="3518660" y="1389829"/>
-              <a:ext cx="769842" cy="246221"/>
-            </a:xfrm>
-            <a:prstGeom prst="rect">
-              <a:avLst/>
-            </a:prstGeom>
-            <a:solidFill>
-              <a:srgbClr val="262626"/>
-            </a:solidFill>
-          </p:spPr>
-          <p:txBody>
-            <a:bodyPr wrap="square" lIns="91440" tIns="0" rIns="91440" bIns="0" rtlCol="0">
-              <a:spAutoFit/>
-            </a:bodyPr>
-            <a:lstStyle/>
-            <a:p>
-              <a:r>
-                <a:rPr lang="en-US" sz="800" dirty="0" smtClean="0">
-                  <a:solidFill>
-                    <a:srgbClr val="FFFFFF"/>
-                  </a:solidFill>
-                </a:rPr>
-                <a:t>Upstream halo counters</a:t>
-              </a:r>
-              <a:endParaRPr lang="en-US" sz="800" dirty="0">
-                <a:solidFill>
-                  <a:srgbClr val="FFFFFF"/>
-                </a:solidFill>
-              </a:endParaRPr>
-            </a:p>
-          </p:txBody>
-        </p:sp>
-        <p:sp>
-          <p:nvSpPr>
-            <p:cNvPr id="17" name="TextBox 16"/>
-            <p:cNvSpPr txBox="1"/>
-            <p:nvPr/>
-          </p:nvSpPr>
-          <p:spPr>
-            <a:xfrm>
-              <a:off x="6639152" y="1340347"/>
-              <a:ext cx="769842" cy="246221"/>
-            </a:xfrm>
-            <a:prstGeom prst="rect">
-              <a:avLst/>
-            </a:prstGeom>
-            <a:solidFill>
-              <a:srgbClr val="262626"/>
-            </a:solidFill>
-          </p:spPr>
-          <p:txBody>
-            <a:bodyPr wrap="square" lIns="91440" tIns="0" rIns="91440" bIns="0" rtlCol="0">
-              <a:spAutoFit/>
-            </a:bodyPr>
-            <a:lstStyle/>
-            <a:p>
-              <a:r>
-                <a:rPr lang="en-US" sz="800" dirty="0" smtClean="0">
-                  <a:solidFill>
-                    <a:srgbClr val="FFFFFF"/>
-                  </a:solidFill>
-                </a:rPr>
-                <a:t>Downstream halo counters</a:t>
-              </a:r>
-              <a:endParaRPr lang="en-US" sz="800" dirty="0">
-                <a:solidFill>
-                  <a:srgbClr val="FFFFFF"/>
-                </a:solidFill>
-              </a:endParaRPr>
-            </a:p>
-          </p:txBody>
-        </p:sp>
-        <p:sp>
-          <p:nvSpPr>
-            <p:cNvPr id="18" name="TextBox 17"/>
-            <p:cNvSpPr txBox="1"/>
-            <p:nvPr/>
-          </p:nvSpPr>
-          <p:spPr>
-            <a:xfrm>
-              <a:off x="3317584" y="1144396"/>
-              <a:ext cx="162216" cy="123111"/>
-            </a:xfrm>
-            <a:prstGeom prst="rect">
-              <a:avLst/>
-            </a:prstGeom>
-            <a:solidFill>
-              <a:srgbClr val="262626"/>
-            </a:solidFill>
-          </p:spPr>
-          <p:txBody>
-            <a:bodyPr wrap="square" lIns="91440" tIns="0" rIns="91440" bIns="0" rtlCol="0">
-              <a:spAutoFit/>
-            </a:bodyPr>
-            <a:lstStyle/>
-            <a:p>
-              <a:r>
-                <a:rPr lang="en-US" sz="800" dirty="0" smtClean="0">
-                  <a:solidFill>
-                    <a:srgbClr val="FFFFFF"/>
-                  </a:solidFill>
-                </a:rPr>
-                <a:t>L</a:t>
-              </a:r>
-              <a:endParaRPr lang="en-US" sz="800" dirty="0">
-                <a:solidFill>
-                  <a:srgbClr val="FFFFFF"/>
-                </a:solidFill>
-              </a:endParaRPr>
-            </a:p>
-          </p:txBody>
-        </p:sp>
-        <p:sp>
-          <p:nvSpPr>
-            <p:cNvPr id="19" name="TextBox 18"/>
-            <p:cNvSpPr txBox="1"/>
-            <p:nvPr/>
-          </p:nvSpPr>
-          <p:spPr>
-            <a:xfrm>
-              <a:off x="4166826" y="914862"/>
-              <a:ext cx="111403" cy="123111"/>
-            </a:xfrm>
-            <a:prstGeom prst="rect">
-              <a:avLst/>
-            </a:prstGeom>
-            <a:solidFill>
-              <a:srgbClr val="262626"/>
-            </a:solidFill>
-          </p:spPr>
-          <p:txBody>
-            <a:bodyPr wrap="square" lIns="91440" tIns="0" rIns="91440" bIns="0" rtlCol="0">
-              <a:spAutoFit/>
-            </a:bodyPr>
-            <a:lstStyle/>
-            <a:p>
-              <a:r>
-                <a:rPr lang="en-US" sz="800" dirty="0">
-                  <a:solidFill>
-                    <a:srgbClr val="FFFFFF"/>
-                  </a:solidFill>
-                </a:rPr>
-                <a:t>R</a:t>
-              </a:r>
-            </a:p>
-          </p:txBody>
-        </p:sp>
-        <p:sp>
-          <p:nvSpPr>
-            <p:cNvPr id="20" name="TextBox 19"/>
-            <p:cNvSpPr txBox="1"/>
-            <p:nvPr/>
-          </p:nvSpPr>
-          <p:spPr>
-            <a:xfrm>
-              <a:off x="4073525" y="1205952"/>
-              <a:ext cx="93302" cy="123111"/>
-            </a:xfrm>
-            <a:prstGeom prst="rect">
-              <a:avLst/>
-            </a:prstGeom>
-            <a:solidFill>
-              <a:srgbClr val="262626"/>
-            </a:solidFill>
-          </p:spPr>
-          <p:txBody>
-            <a:bodyPr wrap="square" lIns="0" tIns="0" rIns="91440" bIns="0" rtlCol="0">
-              <a:spAutoFit/>
-            </a:bodyPr>
-            <a:lstStyle/>
-            <a:p>
-              <a:r>
-                <a:rPr lang="en-US" sz="800" dirty="0" smtClean="0">
-                  <a:solidFill>
-                    <a:srgbClr val="FFFFFF"/>
-                  </a:solidFill>
-                </a:rPr>
-                <a:t>B</a:t>
-              </a:r>
-              <a:endParaRPr lang="en-US" sz="800" dirty="0">
-                <a:solidFill>
-                  <a:srgbClr val="FFFFFF"/>
-                </a:solidFill>
-              </a:endParaRPr>
-            </a:p>
-          </p:txBody>
-        </p:sp>
-        <p:sp>
-          <p:nvSpPr>
-            <p:cNvPr id="21" name="TextBox 20"/>
-            <p:cNvSpPr txBox="1"/>
-            <p:nvPr/>
-          </p:nvSpPr>
-          <p:spPr>
-            <a:xfrm>
-              <a:off x="3531360" y="844108"/>
-              <a:ext cx="93302" cy="123111"/>
-            </a:xfrm>
-            <a:prstGeom prst="rect">
-              <a:avLst/>
-            </a:prstGeom>
-            <a:solidFill>
-              <a:srgbClr val="262626"/>
-            </a:solidFill>
-          </p:spPr>
-          <p:txBody>
-            <a:bodyPr wrap="square" lIns="0" tIns="0" rIns="91440" bIns="0" rtlCol="0">
-              <a:spAutoFit/>
-            </a:bodyPr>
-            <a:lstStyle/>
-            <a:p>
-              <a:r>
-                <a:rPr lang="en-US" sz="800" dirty="0">
-                  <a:solidFill>
-                    <a:srgbClr val="FFFFFF"/>
-                  </a:solidFill>
-                </a:rPr>
-                <a:t>T</a:t>
-              </a:r>
-            </a:p>
-          </p:txBody>
-        </p:sp>
-        <p:grpSp>
-          <p:nvGrpSpPr>
-            <p:cNvPr id="30" name="Group 29"/>
-            <p:cNvGrpSpPr/>
-            <p:nvPr/>
-          </p:nvGrpSpPr>
-          <p:grpSpPr>
-            <a:xfrm>
-              <a:off x="6452640" y="843051"/>
-              <a:ext cx="960645" cy="484955"/>
-              <a:chOff x="3317584" y="844108"/>
-              <a:chExt cx="960645" cy="484955"/>
-            </a:xfrm>
-          </p:grpSpPr>
-          <p:sp>
-            <p:nvSpPr>
-              <p:cNvPr id="31" name="TextBox 30"/>
-              <p:cNvSpPr txBox="1"/>
-              <p:nvPr/>
-            </p:nvSpPr>
-            <p:spPr>
-              <a:xfrm>
-                <a:off x="3317584" y="1144396"/>
-                <a:ext cx="162216" cy="123111"/>
-              </a:xfrm>
-              <a:prstGeom prst="rect">
-                <a:avLst/>
-              </a:prstGeom>
-              <a:solidFill>
-                <a:srgbClr val="262626"/>
-              </a:solidFill>
-            </p:spPr>
-            <p:txBody>
-              <a:bodyPr wrap="square" lIns="91440" tIns="0" rIns="91440" bIns="0" rtlCol="0">
-                <a:spAutoFit/>
-              </a:bodyPr>
-              <a:lstStyle/>
-              <a:p>
-                <a:r>
-                  <a:rPr lang="en-US" sz="800" dirty="0" smtClean="0">
-                    <a:solidFill>
-                      <a:srgbClr val="FFFFFF"/>
-                    </a:solidFill>
-                  </a:rPr>
-                  <a:t>L</a:t>
-                </a:r>
-                <a:endParaRPr lang="en-US" sz="800" dirty="0">
-                  <a:solidFill>
-                    <a:srgbClr val="FFFFFF"/>
-                  </a:solidFill>
-                </a:endParaRPr>
-              </a:p>
-            </p:txBody>
-          </p:sp>
-          <p:sp>
-            <p:nvSpPr>
-              <p:cNvPr id="32" name="TextBox 31"/>
-              <p:cNvSpPr txBox="1"/>
-              <p:nvPr/>
-            </p:nvSpPr>
-            <p:spPr>
-              <a:xfrm>
-                <a:off x="4166826" y="914862"/>
-                <a:ext cx="111403" cy="123111"/>
-              </a:xfrm>
-              <a:prstGeom prst="rect">
-                <a:avLst/>
-              </a:prstGeom>
-              <a:solidFill>
-                <a:srgbClr val="262626"/>
-              </a:solidFill>
-            </p:spPr>
-            <p:txBody>
-              <a:bodyPr wrap="square" lIns="91440" tIns="0" rIns="91440" bIns="0" rtlCol="0">
-                <a:spAutoFit/>
-              </a:bodyPr>
-              <a:lstStyle/>
-              <a:p>
-                <a:r>
-                  <a:rPr lang="en-US" sz="800" dirty="0">
-                    <a:solidFill>
-                      <a:srgbClr val="FFFFFF"/>
-                    </a:solidFill>
-                  </a:rPr>
-                  <a:t>R</a:t>
-                </a:r>
-              </a:p>
-            </p:txBody>
-          </p:sp>
-          <p:sp>
-            <p:nvSpPr>
-              <p:cNvPr id="33" name="TextBox 32"/>
-              <p:cNvSpPr txBox="1"/>
-              <p:nvPr/>
-            </p:nvSpPr>
-            <p:spPr>
-              <a:xfrm>
-                <a:off x="4073525" y="1205952"/>
-                <a:ext cx="93302" cy="123111"/>
-              </a:xfrm>
-              <a:prstGeom prst="rect">
-                <a:avLst/>
-              </a:prstGeom>
-              <a:solidFill>
-                <a:srgbClr val="262626"/>
-              </a:solidFill>
-            </p:spPr>
-            <p:txBody>
-              <a:bodyPr wrap="square" lIns="0" tIns="0" rIns="91440" bIns="0" rtlCol="0">
-                <a:spAutoFit/>
-              </a:bodyPr>
-              <a:lstStyle/>
-              <a:p>
-                <a:r>
-                  <a:rPr lang="en-US" sz="800" dirty="0" smtClean="0">
-                    <a:solidFill>
-                      <a:srgbClr val="FFFFFF"/>
-                    </a:solidFill>
-                  </a:rPr>
-                  <a:t>B</a:t>
-                </a:r>
-                <a:endParaRPr lang="en-US" sz="800" dirty="0">
-                  <a:solidFill>
-                    <a:srgbClr val="FFFFFF"/>
-                  </a:solidFill>
-                </a:endParaRPr>
-              </a:p>
-            </p:txBody>
-          </p:sp>
-          <p:sp>
-            <p:nvSpPr>
-              <p:cNvPr id="34" name="TextBox 33"/>
-              <p:cNvSpPr txBox="1"/>
-              <p:nvPr/>
-            </p:nvSpPr>
-            <p:spPr>
-              <a:xfrm>
-                <a:off x="3531360" y="844108"/>
-                <a:ext cx="93302" cy="123111"/>
-              </a:xfrm>
-              <a:prstGeom prst="rect">
-                <a:avLst/>
-              </a:prstGeom>
-              <a:solidFill>
-                <a:srgbClr val="262626"/>
-              </a:solidFill>
-            </p:spPr>
-            <p:txBody>
-              <a:bodyPr wrap="square" lIns="0" tIns="0" rIns="91440" bIns="0" rtlCol="0">
-                <a:spAutoFit/>
-              </a:bodyPr>
-              <a:lstStyle/>
-              <a:p>
-                <a:r>
-                  <a:rPr lang="en-US" sz="800" dirty="0">
-                    <a:solidFill>
-                      <a:srgbClr val="FFFFFF"/>
-                    </a:solidFill>
-                  </a:rPr>
-                  <a:t>T</a:t>
-                </a:r>
-              </a:p>
-            </p:txBody>
-          </p:sp>
-        </p:grpSp>
-        <p:sp>
-          <p:nvSpPr>
-            <p:cNvPr id="35" name="Rectangle 34"/>
-            <p:cNvSpPr/>
-            <p:nvPr/>
-          </p:nvSpPr>
-          <p:spPr>
-            <a:xfrm>
-              <a:off x="4706471" y="3352404"/>
-              <a:ext cx="1569591" cy="243115"/>
-            </a:xfrm>
-            <a:prstGeom prst="rect">
-              <a:avLst/>
-            </a:prstGeom>
-            <a:solidFill>
-              <a:schemeClr val="tx1">
-                <a:lumMod val="85000"/>
-                <a:lumOff val="15000"/>
-              </a:schemeClr>
-            </a:solidFill>
-            <a:ln>
-              <a:noFill/>
-            </a:ln>
-            <a:effectLst/>
-          </p:spPr>
-          <p:style>
-            <a:lnRef idx="1">
-              <a:schemeClr val="accent1"/>
-            </a:lnRef>
-            <a:fillRef idx="3">
-              <a:schemeClr val="accent1"/>
-            </a:fillRef>
-            <a:effectRef idx="2">
-              <a:schemeClr val="accent1"/>
-            </a:effectRef>
-            <a:fontRef idx="minor">
-              <a:schemeClr val="lt1"/>
-            </a:fontRef>
-          </p:style>
-          <p:txBody>
-            <a:bodyPr rtlCol="0" anchor="ctr"/>
-            <a:lstStyle/>
-            <a:p>
-              <a:pPr algn="ctr"/>
-              <a:endParaRPr lang="en-US"/>
-            </a:p>
-          </p:txBody>
-        </p:sp>
-        <p:sp>
-          <p:nvSpPr>
-            <p:cNvPr id="36" name="Rectangle 35"/>
-            <p:cNvSpPr/>
-            <p:nvPr/>
-          </p:nvSpPr>
-          <p:spPr>
-            <a:xfrm>
-              <a:off x="4675148" y="2989338"/>
-              <a:ext cx="1569591" cy="243115"/>
-            </a:xfrm>
-            <a:prstGeom prst="rect">
-              <a:avLst/>
-            </a:prstGeom>
-            <a:solidFill>
-              <a:schemeClr val="tx1">
-                <a:lumMod val="85000"/>
-                <a:lumOff val="15000"/>
-              </a:schemeClr>
-            </a:solidFill>
-            <a:ln>
-              <a:noFill/>
-            </a:ln>
-            <a:effectLst/>
-          </p:spPr>
-          <p:style>
-            <a:lnRef idx="1">
-              <a:schemeClr val="accent1"/>
-            </a:lnRef>
-            <a:fillRef idx="3">
-              <a:schemeClr val="accent1"/>
-            </a:fillRef>
-            <a:effectRef idx="2">
-              <a:schemeClr val="accent1"/>
-            </a:effectRef>
-            <a:fontRef idx="minor">
-              <a:schemeClr val="lt1"/>
-            </a:fontRef>
-          </p:style>
-          <p:txBody>
-            <a:bodyPr rtlCol="0" anchor="ctr"/>
-            <a:lstStyle/>
-            <a:p>
-              <a:pPr algn="ctr"/>
-              <a:endParaRPr lang="en-US"/>
-            </a:p>
-          </p:txBody>
-        </p:sp>
-        <p:pic>
-          <p:nvPicPr>
-            <p:cNvPr id="37" name="Picture 36" descr="detector_scalers.pdf"/>
-            <p:cNvPicPr>
-              <a:picLocks noChangeAspect="1"/>
-            </p:cNvPicPr>
-            <p:nvPr/>
-          </p:nvPicPr>
-          <p:blipFill>
-            <a:blip r:embed="rId4">
-              <a:extLst>
-                <a:ext uri="{28A0092B-C50C-407E-A947-70E740481C1C}">
-                  <a14:useLocalDpi xmlns:a14="http://schemas.microsoft.com/office/drawing/2010/main" val="0"/>
-                </a:ext>
-              </a:extLst>
-            </a:blip>
-            <a:stretch>
-              <a:fillRect/>
-            </a:stretch>
-          </p:blipFill>
-          <p:spPr>
-            <a:xfrm>
-              <a:off x="4407676" y="774700"/>
-              <a:ext cx="1977853" cy="877824"/>
-            </a:xfrm>
-            <a:prstGeom prst="rect">
-              <a:avLst/>
-            </a:prstGeom>
-          </p:spPr>
-        </p:pic>
-        <p:sp>
-          <p:nvSpPr>
-            <p:cNvPr id="38" name="Rectangle 37"/>
-            <p:cNvSpPr/>
-            <p:nvPr/>
-          </p:nvSpPr>
-          <p:spPr>
-            <a:xfrm>
-              <a:off x="4073525" y="774700"/>
-              <a:ext cx="332468" cy="66122"/>
-            </a:xfrm>
-            <a:prstGeom prst="rect">
-              <a:avLst/>
-            </a:prstGeom>
-            <a:solidFill>
-              <a:schemeClr val="tx1">
-                <a:lumMod val="85000"/>
-                <a:lumOff val="15000"/>
-              </a:schemeClr>
-            </a:solidFill>
-            <a:ln>
-              <a:noFill/>
-            </a:ln>
-            <a:effectLst/>
-          </p:spPr>
-          <p:style>
-            <a:lnRef idx="1">
-              <a:schemeClr val="accent1"/>
-            </a:lnRef>
-            <a:fillRef idx="3">
-              <a:schemeClr val="accent1"/>
-            </a:fillRef>
-            <a:effectRef idx="2">
-              <a:schemeClr val="accent1"/>
-            </a:effectRef>
-            <a:fontRef idx="minor">
-              <a:schemeClr val="lt1"/>
-            </a:fontRef>
-          </p:style>
-          <p:txBody>
-            <a:bodyPr rtlCol="0" anchor="ctr"/>
-            <a:lstStyle/>
-            <a:p>
-              <a:pPr algn="ctr"/>
-              <a:endParaRPr lang="en-US"/>
-            </a:p>
-          </p:txBody>
-        </p:sp>
-        <p:pic>
-          <p:nvPicPr>
-            <p:cNvPr id="41" name="Picture 40" descr="harp_2h01.tiff"/>
-            <p:cNvPicPr>
-              <a:picLocks noChangeAspect="1"/>
-            </p:cNvPicPr>
-            <p:nvPr/>
-          </p:nvPicPr>
-          <p:blipFill>
-            <a:blip r:embed="rId5">
-              <a:extLst>
-                <a:ext uri="{28A0092B-C50C-407E-A947-70E740481C1C}">
-                  <a14:useLocalDpi xmlns:a14="http://schemas.microsoft.com/office/drawing/2010/main" val="0"/>
-                </a:ext>
-              </a:extLst>
-            </a:blip>
-            <a:stretch>
-              <a:fillRect/>
-            </a:stretch>
-          </p:blipFill>
-          <p:spPr>
-            <a:xfrm>
-              <a:off x="3689426" y="3382773"/>
-              <a:ext cx="406542" cy="155443"/>
-            </a:xfrm>
-            <a:prstGeom prst="rect">
-              <a:avLst/>
-            </a:prstGeom>
-          </p:spPr>
-        </p:pic>
-        <p:sp>
-          <p:nvSpPr>
-            <p:cNvPr id="42" name="TextBox 41"/>
-            <p:cNvSpPr txBox="1"/>
-            <p:nvPr/>
-          </p:nvSpPr>
-          <p:spPr>
-            <a:xfrm>
-              <a:off x="3633556" y="3035843"/>
-              <a:ext cx="588972" cy="202433"/>
-            </a:xfrm>
-            <a:prstGeom prst="rect">
-              <a:avLst/>
-            </a:prstGeom>
-            <a:solidFill>
-              <a:srgbClr val="262626"/>
-            </a:solidFill>
-          </p:spPr>
-          <p:txBody>
-            <a:bodyPr wrap="square" lIns="91440" tIns="0" rIns="91440" bIns="0" rtlCol="0">
-              <a:spAutoFit/>
-            </a:bodyPr>
-            <a:lstStyle/>
-            <a:p>
-              <a:r>
-                <a:rPr lang="en-US" sz="750" dirty="0" smtClean="0">
-                  <a:solidFill>
-                    <a:srgbClr val="FFFFFF"/>
-                  </a:solidFill>
-                </a:rPr>
-                <a:t>2H01 harp/target</a:t>
-              </a:r>
-              <a:endParaRPr lang="en-US" sz="750" dirty="0">
-                <a:solidFill>
-                  <a:srgbClr val="FFFFFF"/>
-                </a:solidFill>
-              </a:endParaRPr>
-            </a:p>
-          </p:txBody>
-        </p:sp>
-      </p:grpSp>
       <p:pic>
         <p:nvPicPr>
-          <p:cNvPr id="2" name="Picture 1" descr="correctors_2h00.tiff"/>
+          <p:cNvPr id="24" name="Picture 23"/>
           <p:cNvPicPr>
             <a:picLocks noChangeAspect="1"/>
           </p:cNvPicPr>
           <p:nvPr/>
         </p:nvPicPr>
         <p:blipFill>
-          <a:blip r:embed="rId6">
+          <a:blip r:embed="rId2">
             <a:extLst>
               <a:ext uri="{28A0092B-C50C-407E-A947-70E740481C1C}">
                 <a14:useLocalDpi xmlns:a14="http://schemas.microsoft.com/office/drawing/2010/main" val="0"/>
@@ -4284,993 +3133,14 @@
         </p:blipFill>
         <p:spPr>
           <a:xfrm>
-            <a:off x="4642064" y="4586799"/>
-            <a:ext cx="443992" cy="420624"/>
+            <a:off x="0" y="622300"/>
+            <a:ext cx="9144000" cy="5595257"/>
           </a:xfrm>
           <a:prstGeom prst="rect">
             <a:avLst/>
           </a:prstGeom>
         </p:spPr>
       </p:pic>
-      <p:sp>
-        <p:nvSpPr>
-          <p:cNvPr id="39" name="Rectangle 38"/>
-          <p:cNvSpPr/>
-          <p:nvPr/>
-        </p:nvSpPr>
-        <p:spPr>
-          <a:xfrm>
-            <a:off x="5075076" y="4586799"/>
-            <a:ext cx="1333547" cy="166915"/>
-          </a:xfrm>
-          <a:prstGeom prst="rect">
-            <a:avLst/>
-          </a:prstGeom>
-          <a:solidFill>
-            <a:schemeClr val="tx1">
-              <a:lumMod val="85000"/>
-              <a:lumOff val="15000"/>
-            </a:schemeClr>
-          </a:solidFill>
-          <a:ln>
-            <a:noFill/>
-          </a:ln>
-          <a:effectLst/>
-        </p:spPr>
-        <p:style>
-          <a:lnRef idx="1">
-            <a:schemeClr val="accent1"/>
-          </a:lnRef>
-          <a:fillRef idx="3">
-            <a:schemeClr val="accent1"/>
-          </a:fillRef>
-          <a:effectRef idx="2">
-            <a:schemeClr val="accent1"/>
-          </a:effectRef>
-          <a:fontRef idx="minor">
-            <a:schemeClr val="lt1"/>
-          </a:fontRef>
-        </p:style>
-        <p:txBody>
-          <a:bodyPr rtlCol="0" anchor="ctr"/>
-          <a:lstStyle/>
-          <a:p>
-            <a:pPr algn="ctr"/>
-            <a:endParaRPr lang="en-US"/>
-          </a:p>
-        </p:txBody>
-      </p:sp>
-      <p:sp>
-        <p:nvSpPr>
-          <p:cNvPr id="40" name="Rectangle 39"/>
-          <p:cNvSpPr/>
-          <p:nvPr/>
-        </p:nvSpPr>
-        <p:spPr>
-          <a:xfrm>
-            <a:off x="5075076" y="4833188"/>
-            <a:ext cx="1305003" cy="166915"/>
-          </a:xfrm>
-          <a:prstGeom prst="rect">
-            <a:avLst/>
-          </a:prstGeom>
-          <a:solidFill>
-            <a:schemeClr val="tx1">
-              <a:lumMod val="85000"/>
-              <a:lumOff val="15000"/>
-            </a:schemeClr>
-          </a:solidFill>
-          <a:ln>
-            <a:noFill/>
-          </a:ln>
-          <a:effectLst/>
-        </p:spPr>
-        <p:style>
-          <a:lnRef idx="1">
-            <a:schemeClr val="accent1"/>
-          </a:lnRef>
-          <a:fillRef idx="3">
-            <a:schemeClr val="accent1"/>
-          </a:fillRef>
-          <a:effectRef idx="2">
-            <a:schemeClr val="accent1"/>
-          </a:effectRef>
-          <a:fontRef idx="minor">
-            <a:schemeClr val="lt1"/>
-          </a:fontRef>
-        </p:style>
-        <p:txBody>
-          <a:bodyPr rtlCol="0" anchor="ctr"/>
-          <a:lstStyle/>
-          <a:p>
-            <a:pPr algn="ctr"/>
-            <a:endParaRPr lang="en-US"/>
-          </a:p>
-        </p:txBody>
-      </p:sp>
-      <p:sp>
-        <p:nvSpPr>
-          <p:cNvPr id="44" name="Rectangle 43"/>
-          <p:cNvSpPr/>
-          <p:nvPr/>
-        </p:nvSpPr>
-        <p:spPr>
-          <a:xfrm>
-            <a:off x="5366734" y="5061835"/>
-            <a:ext cx="646611" cy="347703"/>
-          </a:xfrm>
-          <a:prstGeom prst="rect">
-            <a:avLst/>
-          </a:prstGeom>
-          <a:solidFill>
-            <a:schemeClr val="tx1">
-              <a:lumMod val="85000"/>
-              <a:lumOff val="15000"/>
-            </a:schemeClr>
-          </a:solidFill>
-          <a:ln>
-            <a:noFill/>
-          </a:ln>
-          <a:effectLst/>
-        </p:spPr>
-        <p:style>
-          <a:lnRef idx="1">
-            <a:schemeClr val="accent1"/>
-          </a:lnRef>
-          <a:fillRef idx="3">
-            <a:schemeClr val="accent1"/>
-          </a:fillRef>
-          <a:effectRef idx="2">
-            <a:schemeClr val="accent1"/>
-          </a:effectRef>
-          <a:fontRef idx="minor">
-            <a:schemeClr val="lt1"/>
-          </a:fontRef>
-        </p:style>
-        <p:txBody>
-          <a:bodyPr rtlCol="0" anchor="ctr"/>
-          <a:lstStyle/>
-          <a:p>
-            <a:pPr algn="ctr"/>
-            <a:endParaRPr lang="en-US"/>
-          </a:p>
-        </p:txBody>
-      </p:sp>
-      <p:sp>
-        <p:nvSpPr>
-          <p:cNvPr id="45" name="TextBox 44"/>
-          <p:cNvSpPr txBox="1"/>
-          <p:nvPr/>
-        </p:nvSpPr>
-        <p:spPr>
-          <a:xfrm>
-            <a:off x="4241953" y="4482076"/>
-            <a:ext cx="428181" cy="107722"/>
-          </a:xfrm>
-          <a:prstGeom prst="rect">
-            <a:avLst/>
-          </a:prstGeom>
-          <a:solidFill>
-            <a:srgbClr val="262626"/>
-          </a:solidFill>
-        </p:spPr>
-        <p:txBody>
-          <a:bodyPr wrap="square" lIns="0" tIns="0" rIns="0" bIns="0" rtlCol="0">
-            <a:spAutoFit/>
-          </a:bodyPr>
-          <a:lstStyle/>
-          <a:p>
-            <a:r>
-              <a:rPr lang="en-US" sz="700" dirty="0" smtClean="0">
-                <a:solidFill>
-                  <a:srgbClr val="FFFFFF"/>
-                </a:solidFill>
-              </a:rPr>
-              <a:t>MQA2H00</a:t>
-            </a:r>
-            <a:endParaRPr lang="en-US" sz="700" dirty="0">
-              <a:solidFill>
-                <a:srgbClr val="FFFFFF"/>
-              </a:solidFill>
-            </a:endParaRPr>
-          </a:p>
-        </p:txBody>
-      </p:sp>
-      <p:sp>
-        <p:nvSpPr>
-          <p:cNvPr id="46" name="TextBox 45"/>
-          <p:cNvSpPr txBox="1"/>
-          <p:nvPr/>
-        </p:nvSpPr>
-        <p:spPr>
-          <a:xfrm>
-            <a:off x="4205882" y="4985463"/>
-            <a:ext cx="428181" cy="107722"/>
-          </a:xfrm>
-          <a:prstGeom prst="rect">
-            <a:avLst/>
-          </a:prstGeom>
-          <a:solidFill>
-            <a:srgbClr val="262626"/>
-          </a:solidFill>
-        </p:spPr>
-        <p:txBody>
-          <a:bodyPr wrap="square" lIns="0" tIns="0" rIns="0" bIns="0" rtlCol="0">
-            <a:spAutoFit/>
-          </a:bodyPr>
-          <a:lstStyle/>
-          <a:p>
-            <a:r>
-              <a:rPr lang="en-US" sz="700" dirty="0" smtClean="0">
-                <a:solidFill>
-                  <a:srgbClr val="FFFFFF"/>
-                </a:solidFill>
-              </a:rPr>
-              <a:t>MQA2H00A</a:t>
-            </a:r>
-            <a:endParaRPr lang="en-US" sz="700" dirty="0">
-              <a:solidFill>
-                <a:srgbClr val="FFFFFF"/>
-              </a:solidFill>
-            </a:endParaRPr>
-          </a:p>
-        </p:txBody>
-      </p:sp>
-      <p:sp>
-        <p:nvSpPr>
-          <p:cNvPr id="47" name="Rectangle 46"/>
-          <p:cNvSpPr/>
-          <p:nvPr/>
-        </p:nvSpPr>
-        <p:spPr>
-          <a:xfrm>
-            <a:off x="3783002" y="4592905"/>
-            <a:ext cx="424007" cy="166915"/>
-          </a:xfrm>
-          <a:prstGeom prst="rect">
-            <a:avLst/>
-          </a:prstGeom>
-          <a:solidFill>
-            <a:schemeClr val="tx1">
-              <a:lumMod val="85000"/>
-              <a:lumOff val="15000"/>
-            </a:schemeClr>
-          </a:solidFill>
-          <a:ln>
-            <a:noFill/>
-          </a:ln>
-          <a:effectLst/>
-        </p:spPr>
-        <p:style>
-          <a:lnRef idx="1">
-            <a:schemeClr val="accent1"/>
-          </a:lnRef>
-          <a:fillRef idx="3">
-            <a:schemeClr val="accent1"/>
-          </a:fillRef>
-          <a:effectRef idx="2">
-            <a:schemeClr val="accent1"/>
-          </a:effectRef>
-          <a:fontRef idx="minor">
-            <a:schemeClr val="lt1"/>
-          </a:fontRef>
-        </p:style>
-        <p:txBody>
-          <a:bodyPr rtlCol="0" anchor="ctr"/>
-          <a:lstStyle/>
-          <a:p>
-            <a:pPr algn="ctr"/>
-            <a:endParaRPr lang="en-US"/>
-          </a:p>
-        </p:txBody>
-      </p:sp>
-      <p:sp>
-        <p:nvSpPr>
-          <p:cNvPr id="48" name="Rectangle 47"/>
-          <p:cNvSpPr/>
-          <p:nvPr/>
-        </p:nvSpPr>
-        <p:spPr>
-          <a:xfrm>
-            <a:off x="3748651" y="4833188"/>
-            <a:ext cx="447378" cy="123427"/>
-          </a:xfrm>
-          <a:prstGeom prst="rect">
-            <a:avLst/>
-          </a:prstGeom>
-          <a:solidFill>
-            <a:schemeClr val="tx1">
-              <a:lumMod val="85000"/>
-              <a:lumOff val="15000"/>
-            </a:schemeClr>
-          </a:solidFill>
-          <a:ln>
-            <a:noFill/>
-          </a:ln>
-          <a:effectLst/>
-        </p:spPr>
-        <p:style>
-          <a:lnRef idx="1">
-            <a:schemeClr val="accent1"/>
-          </a:lnRef>
-          <a:fillRef idx="3">
-            <a:schemeClr val="accent1"/>
-          </a:fillRef>
-          <a:effectRef idx="2">
-            <a:schemeClr val="accent1"/>
-          </a:effectRef>
-          <a:fontRef idx="minor">
-            <a:schemeClr val="lt1"/>
-          </a:fontRef>
-        </p:style>
-        <p:txBody>
-          <a:bodyPr rtlCol="0" anchor="ctr"/>
-          <a:lstStyle/>
-          <a:p>
-            <a:pPr algn="ctr"/>
-            <a:endParaRPr lang="en-US"/>
-          </a:p>
-        </p:txBody>
-      </p:sp>
-      <p:sp>
-        <p:nvSpPr>
-          <p:cNvPr id="49" name="TextBox 48"/>
-          <p:cNvSpPr txBox="1"/>
-          <p:nvPr/>
-        </p:nvSpPr>
-        <p:spPr>
-          <a:xfrm>
-            <a:off x="4716966" y="4485183"/>
-            <a:ext cx="315506" cy="107722"/>
-          </a:xfrm>
-          <a:prstGeom prst="rect">
-            <a:avLst/>
-          </a:prstGeom>
-          <a:solidFill>
-            <a:srgbClr val="262626"/>
-          </a:solidFill>
-        </p:spPr>
-        <p:txBody>
-          <a:bodyPr wrap="square" lIns="0" tIns="0" rIns="0" bIns="0" rtlCol="0">
-            <a:spAutoFit/>
-          </a:bodyPr>
-          <a:lstStyle/>
-          <a:p>
-            <a:r>
-              <a:rPr lang="en-US" sz="700" dirty="0" smtClean="0">
-                <a:solidFill>
-                  <a:srgbClr val="FFFFFF"/>
-                </a:solidFill>
-              </a:rPr>
-              <a:t>2H00 H</a:t>
-            </a:r>
-            <a:endParaRPr lang="en-US" sz="700" dirty="0">
-              <a:solidFill>
-                <a:srgbClr val="FFFFFF"/>
-              </a:solidFill>
-            </a:endParaRPr>
-          </a:p>
-        </p:txBody>
-      </p:sp>
-      <p:sp>
-        <p:nvSpPr>
-          <p:cNvPr id="50" name="TextBox 49"/>
-          <p:cNvSpPr txBox="1"/>
-          <p:nvPr/>
-        </p:nvSpPr>
-        <p:spPr>
-          <a:xfrm>
-            <a:off x="4708596" y="4981803"/>
-            <a:ext cx="315506" cy="107722"/>
-          </a:xfrm>
-          <a:prstGeom prst="rect">
-            <a:avLst/>
-          </a:prstGeom>
-          <a:solidFill>
-            <a:srgbClr val="262626"/>
-          </a:solidFill>
-        </p:spPr>
-        <p:txBody>
-          <a:bodyPr wrap="square" lIns="0" tIns="0" rIns="0" bIns="0" rtlCol="0">
-            <a:spAutoFit/>
-          </a:bodyPr>
-          <a:lstStyle/>
-          <a:p>
-            <a:r>
-              <a:rPr lang="en-US" sz="700" dirty="0" smtClean="0">
-                <a:solidFill>
-                  <a:srgbClr val="FFFFFF"/>
-                </a:solidFill>
-              </a:rPr>
-              <a:t>2H00 V</a:t>
-            </a:r>
-            <a:endParaRPr lang="en-US" sz="700" dirty="0">
-              <a:solidFill>
-                <a:srgbClr val="FFFFFF"/>
-              </a:solidFill>
-            </a:endParaRPr>
-          </a:p>
-        </p:txBody>
-      </p:sp>
-      <p:pic>
-        <p:nvPicPr>
-          <p:cNvPr id="51" name="Picture 50"/>
-          <p:cNvPicPr>
-            <a:picLocks noChangeAspect="1"/>
-          </p:cNvPicPr>
-          <p:nvPr/>
-        </p:nvPicPr>
-        <p:blipFill rotWithShape="1">
-          <a:blip r:embed="rId7"/>
-          <a:srcRect l="22636" t="3296" r="12499" b="24490"/>
-          <a:stretch/>
-        </p:blipFill>
-        <p:spPr>
-          <a:xfrm>
-            <a:off x="6089299" y="3873830"/>
-            <a:ext cx="1481248" cy="1660886"/>
-          </a:xfrm>
-          <a:prstGeom prst="rect">
-            <a:avLst/>
-          </a:prstGeom>
-        </p:spPr>
-      </p:pic>
-      <p:grpSp>
-        <p:nvGrpSpPr>
-          <p:cNvPr id="22" name="Group 21"/>
-          <p:cNvGrpSpPr/>
-          <p:nvPr/>
-        </p:nvGrpSpPr>
-        <p:grpSpPr>
-          <a:xfrm>
-            <a:off x="7489910" y="4801021"/>
-            <a:ext cx="952500" cy="769746"/>
-            <a:chOff x="7563006" y="4846701"/>
-            <a:chExt cx="952500" cy="769746"/>
-          </a:xfrm>
-        </p:grpSpPr>
-        <p:pic>
-          <p:nvPicPr>
-            <p:cNvPr id="3" name="Picture 2" descr="mag_stat.tiff"/>
-            <p:cNvPicPr>
-              <a:picLocks noChangeAspect="1"/>
-            </p:cNvPicPr>
-            <p:nvPr/>
-          </p:nvPicPr>
-          <p:blipFill>
-            <a:blip r:embed="rId8">
-              <a:extLst>
-                <a:ext uri="{28A0092B-C50C-407E-A947-70E740481C1C}">
-                  <a14:useLocalDpi xmlns:a14="http://schemas.microsoft.com/office/drawing/2010/main" val="0"/>
-                </a:ext>
-              </a:extLst>
-            </a:blip>
-            <a:stretch>
-              <a:fillRect/>
-            </a:stretch>
-          </p:blipFill>
-          <p:spPr>
-            <a:xfrm>
-              <a:off x="7563006" y="4930647"/>
-              <a:ext cx="952500" cy="685800"/>
-            </a:xfrm>
-            <a:prstGeom prst="rect">
-              <a:avLst/>
-            </a:prstGeom>
-          </p:spPr>
-        </p:pic>
-        <p:sp>
-          <p:nvSpPr>
-            <p:cNvPr id="52" name="TextBox 51"/>
-            <p:cNvSpPr txBox="1"/>
-            <p:nvPr/>
-          </p:nvSpPr>
-          <p:spPr>
-            <a:xfrm>
-              <a:off x="7799396" y="4846701"/>
-              <a:ext cx="428181" cy="138499"/>
-            </a:xfrm>
-            <a:prstGeom prst="rect">
-              <a:avLst/>
-            </a:prstGeom>
-            <a:solidFill>
-              <a:srgbClr val="262626"/>
-            </a:solidFill>
-          </p:spPr>
-          <p:txBody>
-            <a:bodyPr wrap="square" lIns="0" tIns="0" rIns="0" bIns="0" rtlCol="0">
-              <a:spAutoFit/>
-            </a:bodyPr>
-            <a:lstStyle/>
-            <a:p>
-              <a:r>
-                <a:rPr lang="en-US" sz="900" dirty="0" smtClean="0">
-                  <a:solidFill>
-                    <a:srgbClr val="FFFFFF"/>
-                  </a:solidFill>
-                </a:rPr>
-                <a:t>Torus</a:t>
-              </a:r>
-              <a:endParaRPr lang="en-US" sz="900" dirty="0">
-                <a:solidFill>
-                  <a:srgbClr val="FFFFFF"/>
-                </a:solidFill>
-              </a:endParaRPr>
-            </a:p>
-          </p:txBody>
-        </p:sp>
-      </p:grpSp>
-      <p:pic>
-        <p:nvPicPr>
-          <p:cNvPr id="53" name="Picture 52" descr="mag_stat.tiff"/>
-          <p:cNvPicPr>
-            <a:picLocks noChangeAspect="1"/>
-          </p:cNvPicPr>
-          <p:nvPr/>
-        </p:nvPicPr>
-        <p:blipFill>
-          <a:blip r:embed="rId8">
-            <a:extLst>
-              <a:ext uri="{28A0092B-C50C-407E-A947-70E740481C1C}">
-                <a14:useLocalDpi xmlns:a14="http://schemas.microsoft.com/office/drawing/2010/main" val="0"/>
-              </a:ext>
-            </a:extLst>
-          </a:blip>
-          <a:stretch>
-            <a:fillRect/>
-          </a:stretch>
-        </p:blipFill>
-        <p:spPr>
-          <a:xfrm>
-            <a:off x="5476895" y="3910388"/>
-            <a:ext cx="952500" cy="685800"/>
-          </a:xfrm>
-          <a:prstGeom prst="rect">
-            <a:avLst/>
-          </a:prstGeom>
-        </p:spPr>
-      </p:pic>
-      <p:sp>
-        <p:nvSpPr>
-          <p:cNvPr id="54" name="TextBox 53"/>
-          <p:cNvSpPr txBox="1"/>
-          <p:nvPr/>
-        </p:nvSpPr>
-        <p:spPr>
-          <a:xfrm>
-            <a:off x="5713285" y="3826442"/>
-            <a:ext cx="428181" cy="138499"/>
-          </a:xfrm>
-          <a:prstGeom prst="rect">
-            <a:avLst/>
-          </a:prstGeom>
-          <a:solidFill>
-            <a:srgbClr val="262626"/>
-          </a:solidFill>
-        </p:spPr>
-        <p:txBody>
-          <a:bodyPr wrap="square" lIns="0" tIns="0" rIns="0" bIns="0" rtlCol="0">
-            <a:spAutoFit/>
-          </a:bodyPr>
-          <a:lstStyle/>
-          <a:p>
-            <a:r>
-              <a:rPr lang="en-US" sz="900" dirty="0" smtClean="0">
-                <a:solidFill>
-                  <a:srgbClr val="FFFFFF"/>
-                </a:solidFill>
-              </a:rPr>
-              <a:t>Solenoid</a:t>
-            </a:r>
-            <a:endParaRPr lang="en-US" sz="900" dirty="0">
-              <a:solidFill>
-                <a:srgbClr val="FFFFFF"/>
-              </a:solidFill>
-            </a:endParaRPr>
-          </a:p>
-        </p:txBody>
-      </p:sp>
-      <p:sp>
-        <p:nvSpPr>
-          <p:cNvPr id="55" name="TextBox 54"/>
-          <p:cNvSpPr txBox="1"/>
-          <p:nvPr/>
-        </p:nvSpPr>
-        <p:spPr>
-          <a:xfrm>
-            <a:off x="6611081" y="3000432"/>
-            <a:ext cx="759018" cy="123111"/>
-          </a:xfrm>
-          <a:prstGeom prst="rect">
-            <a:avLst/>
-          </a:prstGeom>
-          <a:solidFill>
-            <a:srgbClr val="262626"/>
-          </a:solidFill>
-        </p:spPr>
-        <p:txBody>
-          <a:bodyPr wrap="square" lIns="91440" tIns="0" rIns="91440" bIns="0" rtlCol="0">
-            <a:spAutoFit/>
-          </a:bodyPr>
-          <a:lstStyle/>
-          <a:p>
-            <a:r>
-              <a:rPr lang="en-US" sz="800" dirty="0" smtClean="0">
-                <a:solidFill>
-                  <a:srgbClr val="FFFFFF"/>
-                </a:solidFill>
-              </a:rPr>
-              <a:t>Beam viewer</a:t>
-            </a:r>
-            <a:endParaRPr lang="en-US" sz="800" dirty="0">
-              <a:solidFill>
-                <a:srgbClr val="FFFFFF"/>
-              </a:solidFill>
-            </a:endParaRPr>
-          </a:p>
-        </p:txBody>
-      </p:sp>
-      <p:sp>
-        <p:nvSpPr>
-          <p:cNvPr id="56" name="TextBox 55"/>
-          <p:cNvSpPr txBox="1"/>
-          <p:nvPr/>
-        </p:nvSpPr>
-        <p:spPr>
-          <a:xfrm>
-            <a:off x="6784862" y="3198512"/>
-            <a:ext cx="469069" cy="123111"/>
-          </a:xfrm>
-          <a:prstGeom prst="rect">
-            <a:avLst/>
-          </a:prstGeom>
-          <a:solidFill>
-            <a:srgbClr val="2ECD0E"/>
-          </a:solidFill>
-        </p:spPr>
-        <p:txBody>
-          <a:bodyPr wrap="square" lIns="0" tIns="0" rIns="0" bIns="0" rtlCol="0">
-            <a:spAutoFit/>
-          </a:bodyPr>
-          <a:lstStyle/>
-          <a:p>
-            <a:pPr algn="ctr">
-              <a:spcBef>
-                <a:spcPts val="300"/>
-              </a:spcBef>
-            </a:pPr>
-            <a:r>
-              <a:rPr lang="en-US" sz="800" dirty="0" err="1" smtClean="0"/>
-              <a:t>Chromox</a:t>
-            </a:r>
-            <a:endParaRPr lang="en-US" sz="800" dirty="0" smtClean="0"/>
-          </a:p>
-        </p:txBody>
-      </p:sp>
-      <p:sp>
-        <p:nvSpPr>
-          <p:cNvPr id="57" name="TextBox 56"/>
-          <p:cNvSpPr txBox="1"/>
-          <p:nvPr/>
-        </p:nvSpPr>
-        <p:spPr>
-          <a:xfrm>
-            <a:off x="6784598" y="3361299"/>
-            <a:ext cx="466344" cy="123111"/>
-          </a:xfrm>
-          <a:prstGeom prst="rect">
-            <a:avLst/>
-          </a:prstGeom>
-          <a:solidFill>
-            <a:srgbClr val="2ECD0E"/>
-          </a:solidFill>
-        </p:spPr>
-        <p:txBody>
-          <a:bodyPr wrap="square" lIns="0" tIns="0" rIns="0" bIns="0" rtlCol="0">
-            <a:spAutoFit/>
-          </a:bodyPr>
-          <a:lstStyle/>
-          <a:p>
-            <a:pPr algn="ctr">
-              <a:spcBef>
-                <a:spcPts val="300"/>
-              </a:spcBef>
-            </a:pPr>
-            <a:r>
-              <a:rPr lang="en-US" sz="800" dirty="0" smtClean="0"/>
-              <a:t>YAG</a:t>
-            </a:r>
-          </a:p>
-        </p:txBody>
-      </p:sp>
-      <p:sp>
-        <p:nvSpPr>
-          <p:cNvPr id="58" name="TextBox 57"/>
-          <p:cNvSpPr txBox="1"/>
-          <p:nvPr/>
-        </p:nvSpPr>
-        <p:spPr>
-          <a:xfrm>
-            <a:off x="6784862" y="3512448"/>
-            <a:ext cx="469069" cy="123111"/>
-          </a:xfrm>
-          <a:prstGeom prst="rect">
-            <a:avLst/>
-          </a:prstGeom>
-          <a:solidFill>
-            <a:srgbClr val="2ECD0E"/>
-          </a:solidFill>
-        </p:spPr>
-        <p:txBody>
-          <a:bodyPr wrap="square" lIns="0" tIns="0" rIns="0" bIns="0" rtlCol="0">
-            <a:spAutoFit/>
-          </a:bodyPr>
-          <a:lstStyle/>
-          <a:p>
-            <a:pPr algn="ctr">
-              <a:spcBef>
-                <a:spcPts val="300"/>
-              </a:spcBef>
-            </a:pPr>
-            <a:r>
-              <a:rPr lang="en-US" sz="800" dirty="0" smtClean="0"/>
-              <a:t>OTR</a:t>
-            </a:r>
-            <a:endParaRPr lang="en-US" sz="800" dirty="0"/>
-          </a:p>
-        </p:txBody>
-      </p:sp>
-      <p:pic>
-        <p:nvPicPr>
-          <p:cNvPr id="23" name="Picture 22" descr="bom.tiff"/>
-          <p:cNvPicPr>
-            <a:picLocks noChangeAspect="1"/>
-          </p:cNvPicPr>
-          <p:nvPr/>
-        </p:nvPicPr>
-        <p:blipFill>
-          <a:blip r:embed="rId9">
-            <a:extLst>
-              <a:ext uri="{28A0092B-C50C-407E-A947-70E740481C1C}">
-                <a14:useLocalDpi xmlns:a14="http://schemas.microsoft.com/office/drawing/2010/main" val="0"/>
-              </a:ext>
-            </a:extLst>
-          </a:blip>
-          <a:stretch>
-            <a:fillRect/>
-          </a:stretch>
-        </p:blipFill>
-        <p:spPr>
-          <a:xfrm>
-            <a:off x="5207295" y="1586955"/>
-            <a:ext cx="901474" cy="640080"/>
-          </a:xfrm>
-          <a:prstGeom prst="rect">
-            <a:avLst/>
-          </a:prstGeom>
-        </p:spPr>
-      </p:pic>
-      <p:pic>
-        <p:nvPicPr>
-          <p:cNvPr id="25" name="Picture 24" descr="cryo_target.tiff"/>
-          <p:cNvPicPr>
-            <a:picLocks noChangeAspect="1"/>
-          </p:cNvPicPr>
-          <p:nvPr/>
-        </p:nvPicPr>
-        <p:blipFill>
-          <a:blip r:embed="rId10">
-            <a:extLst>
-              <a:ext uri="{28A0092B-C50C-407E-A947-70E740481C1C}">
-                <a14:useLocalDpi xmlns:a14="http://schemas.microsoft.com/office/drawing/2010/main" val="0"/>
-              </a:ext>
-            </a:extLst>
-          </a:blip>
-          <a:stretch>
-            <a:fillRect/>
-          </a:stretch>
-        </p:blipFill>
-        <p:spPr>
-          <a:xfrm>
-            <a:off x="4821347" y="2785011"/>
-            <a:ext cx="817848" cy="914400"/>
-          </a:xfrm>
-          <a:prstGeom prst="rect">
-            <a:avLst/>
-          </a:prstGeom>
-        </p:spPr>
-      </p:pic>
-      <p:sp>
-        <p:nvSpPr>
-          <p:cNvPr id="59" name="TextBox 58"/>
-          <p:cNvSpPr txBox="1"/>
-          <p:nvPr/>
-        </p:nvSpPr>
-        <p:spPr>
-          <a:xfrm>
-            <a:off x="4821347" y="3582994"/>
-            <a:ext cx="817848" cy="215444"/>
-          </a:xfrm>
-          <a:prstGeom prst="rect">
-            <a:avLst/>
-          </a:prstGeom>
-          <a:solidFill>
-            <a:srgbClr val="262626"/>
-          </a:solidFill>
-        </p:spPr>
-        <p:txBody>
-          <a:bodyPr wrap="square" lIns="91440" tIns="0" rIns="91440" bIns="0" rtlCol="0">
-            <a:spAutoFit/>
-          </a:bodyPr>
-          <a:lstStyle/>
-          <a:p>
-            <a:r>
-              <a:rPr lang="en-US" sz="700" dirty="0" smtClean="0">
-                <a:solidFill>
-                  <a:srgbClr val="FFFFFF"/>
-                </a:solidFill>
-              </a:rPr>
-              <a:t>Buffer Dewar Liquid Level</a:t>
-            </a:r>
-            <a:endParaRPr lang="en-US" sz="700" dirty="0">
-              <a:solidFill>
-                <a:srgbClr val="FFFFFF"/>
-              </a:solidFill>
-            </a:endParaRPr>
-          </a:p>
-        </p:txBody>
-      </p:sp>
-      <p:sp>
-        <p:nvSpPr>
-          <p:cNvPr id="60" name="TextBox 59"/>
-          <p:cNvSpPr txBox="1"/>
-          <p:nvPr/>
-        </p:nvSpPr>
-        <p:spPr>
-          <a:xfrm>
-            <a:off x="3141649" y="3021961"/>
-            <a:ext cx="607002" cy="115416"/>
-          </a:xfrm>
-          <a:prstGeom prst="rect">
-            <a:avLst/>
-          </a:prstGeom>
-          <a:solidFill>
-            <a:srgbClr val="262626"/>
-          </a:solidFill>
-        </p:spPr>
-        <p:txBody>
-          <a:bodyPr wrap="square" lIns="91440" tIns="0" rIns="91440" bIns="0" rtlCol="0">
-            <a:spAutoFit/>
-          </a:bodyPr>
-          <a:lstStyle/>
-          <a:p>
-            <a:r>
-              <a:rPr lang="en-US" sz="750" dirty="0" smtClean="0">
-                <a:solidFill>
-                  <a:srgbClr val="FFFFFF"/>
-                </a:solidFill>
-              </a:rPr>
-              <a:t>Collimator</a:t>
-            </a:r>
-            <a:endParaRPr lang="en-US" sz="750" dirty="0">
-              <a:solidFill>
-                <a:srgbClr val="FFFFFF"/>
-              </a:solidFill>
-            </a:endParaRPr>
-          </a:p>
-        </p:txBody>
-      </p:sp>
-      <p:sp>
-        <p:nvSpPr>
-          <p:cNvPr id="61" name="TextBox 60"/>
-          <p:cNvSpPr txBox="1"/>
-          <p:nvPr/>
-        </p:nvSpPr>
-        <p:spPr>
-          <a:xfrm>
-            <a:off x="3231908" y="3347411"/>
-            <a:ext cx="378312" cy="123111"/>
-          </a:xfrm>
-          <a:prstGeom prst="rect">
-            <a:avLst/>
-          </a:prstGeom>
-          <a:solidFill>
-            <a:srgbClr val="2ECD0E"/>
-          </a:solidFill>
-        </p:spPr>
-        <p:txBody>
-          <a:bodyPr wrap="square" lIns="0" tIns="0" rIns="0" bIns="0" rtlCol="0">
-            <a:spAutoFit/>
-          </a:bodyPr>
-          <a:lstStyle/>
-          <a:p>
-            <a:pPr algn="ctr">
-              <a:spcBef>
-                <a:spcPts val="300"/>
-              </a:spcBef>
-            </a:pPr>
-            <a:r>
-              <a:rPr lang="en-US" sz="800" dirty="0" smtClean="0"/>
-              <a:t>20 mm</a:t>
-            </a:r>
-            <a:endParaRPr lang="en-US" sz="800" dirty="0" smtClean="0"/>
-          </a:p>
-        </p:txBody>
-      </p:sp>
-      <p:sp>
-        <p:nvSpPr>
-          <p:cNvPr id="62" name="TextBox 61"/>
-          <p:cNvSpPr txBox="1"/>
-          <p:nvPr/>
-        </p:nvSpPr>
-        <p:spPr>
-          <a:xfrm>
-            <a:off x="3236027" y="3499811"/>
-            <a:ext cx="378312" cy="123111"/>
-          </a:xfrm>
-          <a:prstGeom prst="rect">
-            <a:avLst/>
-          </a:prstGeom>
-          <a:solidFill>
-            <a:srgbClr val="2ECD0E"/>
-          </a:solidFill>
-        </p:spPr>
-        <p:txBody>
-          <a:bodyPr wrap="square" lIns="0" tIns="0" rIns="0" bIns="0" rtlCol="0">
-            <a:spAutoFit/>
-          </a:bodyPr>
-          <a:lstStyle/>
-          <a:p>
-            <a:pPr algn="ctr">
-              <a:spcBef>
-                <a:spcPts val="300"/>
-              </a:spcBef>
-            </a:pPr>
-            <a:r>
-              <a:rPr lang="en-US" sz="800" dirty="0" smtClean="0"/>
-              <a:t>12 mm</a:t>
-            </a:r>
-            <a:endParaRPr lang="en-US" sz="800" dirty="0" smtClean="0"/>
-          </a:p>
-        </p:txBody>
-      </p:sp>
-      <p:sp>
-        <p:nvSpPr>
-          <p:cNvPr id="63" name="TextBox 62"/>
-          <p:cNvSpPr txBox="1"/>
-          <p:nvPr/>
-        </p:nvSpPr>
-        <p:spPr>
-          <a:xfrm>
-            <a:off x="3240146" y="3652211"/>
-            <a:ext cx="378312" cy="123111"/>
-          </a:xfrm>
-          <a:prstGeom prst="rect">
-            <a:avLst/>
-          </a:prstGeom>
-          <a:solidFill>
-            <a:srgbClr val="2ECD0E"/>
-          </a:solidFill>
-        </p:spPr>
-        <p:txBody>
-          <a:bodyPr wrap="square" lIns="0" tIns="0" rIns="0" bIns="0" rtlCol="0">
-            <a:spAutoFit/>
-          </a:bodyPr>
-          <a:lstStyle/>
-          <a:p>
-            <a:pPr algn="ctr">
-              <a:spcBef>
-                <a:spcPts val="300"/>
-              </a:spcBef>
-            </a:pPr>
-            <a:r>
-              <a:rPr lang="en-US" sz="800" dirty="0" smtClean="0"/>
-              <a:t>Empty</a:t>
-            </a:r>
-            <a:endParaRPr lang="en-US" sz="800" dirty="0" smtClean="0"/>
-          </a:p>
-        </p:txBody>
-      </p:sp>
     </p:spTree>
     <p:extLst>
       <p:ext uri="{BB962C8B-B14F-4D97-AF65-F5344CB8AC3E}">
